--- a/er/Relational Schema.pptx
+++ b/er/Relational Schema.pptx
@@ -104,6 +104,11 @@
       </a:defRPr>
     </a:lvl9pPr>
   </p:defaultTextStyle>
+  <p:extLst>
+    <p:ext uri="{EFAFB233-063F-42B5-8137-9DF3F51BA10A}">
+      <p15:sldGuideLst xmlns:p15="http://schemas.microsoft.com/office/powerpoint/2012/main"/>
+    </p:ext>
+  </p:extLst>
 </p:presentation>
 </file>
 
@@ -3503,13 +3508,13 @@
           <p:nvPr>
             <p:extLst>
               <p:ext uri="{D42A27DB-BD31-4B8C-83A1-F6EECF244321}">
-                <p14:modId xmlns:p14="http://schemas.microsoft.com/office/powerpoint/2010/main" val="2171895939"/>
+                <p14:modId xmlns:p14="http://schemas.microsoft.com/office/powerpoint/2010/main" val="1026075865"/>
               </p:ext>
             </p:extLst>
           </p:nvPr>
         </p:nvGraphicFramePr>
         <p:xfrm>
-          <a:off x="8605716" y="1681197"/>
+          <a:off x="8605715" y="1512450"/>
           <a:ext cx="1804709" cy="1838575"/>
         </p:xfrm>
         <a:graphic>
@@ -3651,13 +3656,13 @@
           <p:nvPr>
             <p:extLst>
               <p:ext uri="{D42A27DB-BD31-4B8C-83A1-F6EECF244321}">
-                <p14:modId xmlns:p14="http://schemas.microsoft.com/office/powerpoint/2010/main" val="743389189"/>
+                <p14:modId xmlns:p14="http://schemas.microsoft.com/office/powerpoint/2010/main" val="1748802924"/>
               </p:ext>
             </p:extLst>
           </p:nvPr>
         </p:nvGraphicFramePr>
         <p:xfrm>
-          <a:off x="6026771" y="4020397"/>
+          <a:off x="6034552" y="3001910"/>
           <a:ext cx="1804709" cy="1483360"/>
         </p:xfrm>
         <a:graphic>
@@ -3778,14 +3783,14 @@
           <p:nvPr>
             <p:extLst>
               <p:ext uri="{D42A27DB-BD31-4B8C-83A1-F6EECF244321}">
-                <p14:modId xmlns:p14="http://schemas.microsoft.com/office/powerpoint/2010/main" val="1736740603"/>
+                <p14:modId xmlns:p14="http://schemas.microsoft.com/office/powerpoint/2010/main" val="885297858"/>
               </p:ext>
             </p:extLst>
           </p:nvPr>
         </p:nvGraphicFramePr>
         <p:xfrm>
-          <a:off x="6026771" y="365126"/>
-          <a:ext cx="1804709" cy="2210406"/>
+          <a:off x="6036554" y="657615"/>
+          <a:ext cx="1804709" cy="1842005"/>
         </p:xfrm>
         <a:graphic>
           <a:graphicData uri="http://schemas.openxmlformats.org/drawingml/2006/table">
@@ -3895,27 +3900,6 @@
                       <a:pPr algn="ctr"/>
                       <a:r>
                         <a:rPr lang="en-US" dirty="0"/>
-                        <a:t>model_id</a:t>
-                      </a:r>
-                    </a:p>
-                  </a:txBody>
-                  <a:tcPr/>
-                </a:tc>
-                <a:extLst>
-                  <a:ext uri="{0D108BD9-81ED-4DB2-BD59-A6C34878D82A}">
-                    <a16:rowId xmlns:a16="http://schemas.microsoft.com/office/drawing/2014/main" val="1262328721"/>
-                  </a:ext>
-                </a:extLst>
-              </a:tr>
-              <a:tr h="368401">
-                <a:tc>
-                  <a:txBody>
-                    <a:bodyPr/>
-                    <a:lstStyle/>
-                    <a:p>
-                      <a:pPr algn="ctr"/>
-                      <a:r>
-                        <a:rPr lang="en-US" dirty="0"/>
                         <a:t>supplier_id</a:t>
                       </a:r>
                     </a:p>
@@ -3947,13 +3931,13 @@
           <p:nvPr>
             <p:extLst>
               <p:ext uri="{D42A27DB-BD31-4B8C-83A1-F6EECF244321}">
-                <p14:modId xmlns:p14="http://schemas.microsoft.com/office/powerpoint/2010/main" val="2210087214"/>
+                <p14:modId xmlns:p14="http://schemas.microsoft.com/office/powerpoint/2010/main" val="810747861"/>
               </p:ext>
             </p:extLst>
           </p:nvPr>
         </p:nvGraphicFramePr>
         <p:xfrm>
-          <a:off x="3415186" y="1338614"/>
+          <a:off x="3957875" y="1338613"/>
           <a:ext cx="1804709" cy="1112520"/>
         </p:xfrm>
         <a:graphic>
@@ -4053,13 +4037,13 @@
           <p:nvPr>
             <p:extLst>
               <p:ext uri="{D42A27DB-BD31-4B8C-83A1-F6EECF244321}">
-                <p14:modId xmlns:p14="http://schemas.microsoft.com/office/powerpoint/2010/main" val="830207440"/>
+                <p14:modId xmlns:p14="http://schemas.microsoft.com/office/powerpoint/2010/main" val="1246481552"/>
               </p:ext>
             </p:extLst>
           </p:nvPr>
         </p:nvGraphicFramePr>
         <p:xfrm>
-          <a:off x="3414535" y="3171781"/>
+          <a:off x="3958759" y="2732964"/>
           <a:ext cx="1806016" cy="3343284"/>
         </p:xfrm>
         <a:graphic>
@@ -4619,7 +4603,7 @@
         </p:nvSpPr>
         <p:spPr>
           <a:xfrm>
-            <a:off x="3457885" y="3584716"/>
+            <a:off x="4012724" y="3146324"/>
             <a:ext cx="373929" cy="276999"/>
           </a:xfrm>
           <a:prstGeom prst="rect">
@@ -4731,10 +4715,10 @@
       </p:sp>
       <p:sp>
         <p:nvSpPr>
-          <p:cNvPr id="16" name="TextBox 15">
-            <a:extLst>
-              <a:ext uri="{FF2B5EF4-FFF2-40B4-BE49-F238E27FC236}">
-                <a16:creationId xmlns:a16="http://schemas.microsoft.com/office/drawing/2014/main" id="{AB69AA28-75BA-EA29-15B6-E86885A12B9F}"/>
+          <p:cNvPr id="17" name="TextBox 16">
+            <a:extLst>
+              <a:ext uri="{FF2B5EF4-FFF2-40B4-BE49-F238E27FC236}">
+                <a16:creationId xmlns:a16="http://schemas.microsoft.com/office/drawing/2014/main" id="{87893685-6515-4DC4-47DA-6F5434344B22}"/>
               </a:ext>
             </a:extLst>
           </p:cNvPr>
@@ -4743,7 +4727,7 @@
         </p:nvSpPr>
         <p:spPr>
           <a:xfrm>
-            <a:off x="9540710" y="1354242"/>
+            <a:off x="4033885" y="1756373"/>
             <a:ext cx="373929" cy="276999"/>
           </a:xfrm>
           <a:prstGeom prst="rect">
@@ -4793,10 +4777,10 @@
       </p:sp>
       <p:sp>
         <p:nvSpPr>
-          <p:cNvPr id="17" name="TextBox 16">
-            <a:extLst>
-              <a:ext uri="{FF2B5EF4-FFF2-40B4-BE49-F238E27FC236}">
-                <a16:creationId xmlns:a16="http://schemas.microsoft.com/office/drawing/2014/main" id="{87893685-6515-4DC4-47DA-6F5434344B22}"/>
+          <p:cNvPr id="18" name="TextBox 17">
+            <a:extLst>
+              <a:ext uri="{FF2B5EF4-FFF2-40B4-BE49-F238E27FC236}">
+                <a16:creationId xmlns:a16="http://schemas.microsoft.com/office/drawing/2014/main" id="{CD290A3D-4FEE-8F22-3FC0-C771D9C34114}"/>
               </a:ext>
             </a:extLst>
           </p:cNvPr>
@@ -4805,7 +4789,7 @@
         </p:nvSpPr>
         <p:spPr>
           <a:xfrm>
-            <a:off x="3460692" y="1756374"/>
+            <a:off x="6096000" y="3409130"/>
             <a:ext cx="373929" cy="276999"/>
           </a:xfrm>
           <a:prstGeom prst="rect">
@@ -4853,68 +4837,6 @@
           </a:p>
         </p:txBody>
       </p:sp>
-      <p:sp>
-        <p:nvSpPr>
-          <p:cNvPr id="18" name="TextBox 17">
-            <a:extLst>
-              <a:ext uri="{FF2B5EF4-FFF2-40B4-BE49-F238E27FC236}">
-                <a16:creationId xmlns:a16="http://schemas.microsoft.com/office/drawing/2014/main" id="{CD290A3D-4FEE-8F22-3FC0-C771D9C34114}"/>
-              </a:ext>
-            </a:extLst>
-          </p:cNvPr>
-          <p:cNvSpPr txBox="1"/>
-          <p:nvPr/>
-        </p:nvSpPr>
-        <p:spPr>
-          <a:xfrm>
-            <a:off x="6096000" y="4426751"/>
-            <a:ext cx="373929" cy="276999"/>
-          </a:xfrm>
-          <a:prstGeom prst="rect">
-            <a:avLst/>
-          </a:prstGeom>
-          <a:noFill/>
-        </p:spPr>
-        <p:txBody>
-          <a:bodyPr wrap="square" rtlCol="0">
-            <a:spAutoFit/>
-          </a:bodyPr>
-          <a:lstStyle/>
-          <a:p>
-            <a:r>
-              <a:rPr lang="en-US" sz="1200" dirty="0">
-                <a:ln w="0"/>
-                <a:solidFill>
-                  <a:schemeClr val="accent1"/>
-                </a:solidFill>
-                <a:effectLst>
-                  <a:outerShdw blurRad="38100" dist="25400" dir="5400000" algn="ctr" rotWithShape="0">
-                    <a:srgbClr val="6E747A">
-                      <a:alpha val="43000"/>
-                    </a:srgbClr>
-                  </a:outerShdw>
-                </a:effectLst>
-                <a:latin typeface="+mj-lt"/>
-              </a:rPr>
-              <a:t>PK</a:t>
-            </a:r>
-            <a:endParaRPr lang="en-US" dirty="0">
-              <a:ln w="0"/>
-              <a:solidFill>
-                <a:schemeClr val="accent1"/>
-              </a:solidFill>
-              <a:effectLst>
-                <a:outerShdw blurRad="38100" dist="25400" dir="5400000" algn="ctr" rotWithShape="0">
-                  <a:srgbClr val="6E747A">
-                    <a:alpha val="43000"/>
-                  </a:srgbClr>
-                </a:outerShdw>
-              </a:effectLst>
-              <a:latin typeface="+mj-lt"/>
-            </a:endParaRPr>
-          </a:p>
-        </p:txBody>
-      </p:sp>
       <p:cxnSp>
         <p:nvCxnSpPr>
           <p:cNvPr id="62" name="Connector: Elbow 61">
@@ -4931,12 +4853,12 @@
         </p:nvCxnSpPr>
         <p:spPr>
           <a:xfrm flipV="1">
-            <a:off x="2640953" y="933254"/>
-            <a:ext cx="3385818" cy="2804852"/>
+            <a:off x="2640953" y="1172129"/>
+            <a:ext cx="3393597" cy="2565977"/>
           </a:xfrm>
           <a:prstGeom prst="bentConnector3">
             <a:avLst>
-              <a:gd name="adj1" fmla="val 5453"/>
+              <a:gd name="adj1" fmla="val 6495"/>
             </a:avLst>
           </a:prstGeom>
           <a:ln>
@@ -4974,8 +4896,8 @@
         </p:nvCxnSpPr>
         <p:spPr>
           <a:xfrm>
-            <a:off x="2640953" y="4108946"/>
-            <a:ext cx="386791" cy="0"/>
+            <a:off x="2640953" y="4108945"/>
+            <a:ext cx="558241" cy="0"/>
           </a:xfrm>
           <a:prstGeom prst="line">
             <a:avLst/>
@@ -5005,13 +4927,15 @@
               </a:ext>
             </a:extLst>
           </p:cNvPr>
-          <p:cNvCxnSpPr/>
+          <p:cNvCxnSpPr>
+            <a:cxnSpLocks/>
+          </p:cNvCxnSpPr>
           <p:nvPr/>
         </p:nvCxnSpPr>
         <p:spPr>
           <a:xfrm flipV="1">
-            <a:off x="3027744" y="1894874"/>
-            <a:ext cx="0" cy="2214072"/>
+            <a:off x="3199194" y="1900736"/>
+            <a:ext cx="0" cy="2198685"/>
           </a:xfrm>
           <a:prstGeom prst="line">
             <a:avLst/>
@@ -5048,9 +4972,9 @@
           <p:nvPr/>
         </p:nvCxnSpPr>
         <p:spPr>
-          <a:xfrm>
-            <a:off x="3027744" y="1894874"/>
-            <a:ext cx="387442" cy="0"/>
+          <a:xfrm flipV="1">
+            <a:off x="3199194" y="1894873"/>
+            <a:ext cx="758681" cy="15388"/>
           </a:xfrm>
           <a:prstGeom prst="straightConnector1">
             <a:avLst/>
@@ -5090,12 +5014,12 @@
         </p:nvCxnSpPr>
         <p:spPr>
           <a:xfrm flipV="1">
-            <a:off x="2640953" y="3728040"/>
-            <a:ext cx="773582" cy="663197"/>
+            <a:off x="2640952" y="3305456"/>
+            <a:ext cx="1316923" cy="1167976"/>
           </a:xfrm>
           <a:prstGeom prst="bentConnector3">
             <a:avLst>
-              <a:gd name="adj1" fmla="val 73153"/>
+              <a:gd name="adj1" fmla="val 61572"/>
             </a:avLst>
           </a:prstGeom>
           <a:ln>
@@ -5305,10 +5229,10 @@
       </p:sp>
       <p:cxnSp>
         <p:nvCxnSpPr>
-          <p:cNvPr id="87" name="Connector: Elbow 86">
-            <a:extLst>
-              <a:ext uri="{FF2B5EF4-FFF2-40B4-BE49-F238E27FC236}">
-                <a16:creationId xmlns:a16="http://schemas.microsoft.com/office/drawing/2014/main" id="{8A413D5D-CEBE-91BA-C5A4-4CCCFFF34958}"/>
+          <p:cNvPr id="92" name="Straight Connector 91">
+            <a:extLst>
+              <a:ext uri="{FF2B5EF4-FFF2-40B4-BE49-F238E27FC236}">
+                <a16:creationId xmlns:a16="http://schemas.microsoft.com/office/drawing/2014/main" id="{E029D119-4378-012C-3546-DE0949A55E9D}"/>
               </a:ext>
             </a:extLst>
           </p:cNvPr>
@@ -5319,47 +5243,8 @@
         </p:nvCxnSpPr>
         <p:spPr>
           <a:xfrm>
-            <a:off x="7831480" y="2033373"/>
-            <a:ext cx="774233" cy="127265"/>
-          </a:xfrm>
-          <a:prstGeom prst="bentConnector3">
-            <a:avLst/>
-          </a:prstGeom>
-          <a:ln>
-            <a:tailEnd type="triangle"/>
-          </a:ln>
-        </p:spPr>
-        <p:style>
-          <a:lnRef idx="1">
-            <a:schemeClr val="accent1"/>
-          </a:lnRef>
-          <a:fillRef idx="0">
-            <a:schemeClr val="accent1"/>
-          </a:fillRef>
-          <a:effectRef idx="0">
-            <a:schemeClr val="accent1"/>
-          </a:effectRef>
-          <a:fontRef idx="minor">
-            <a:schemeClr val="tx1"/>
-          </a:fontRef>
-        </p:style>
-      </p:cxnSp>
-      <p:cxnSp>
-        <p:nvCxnSpPr>
-          <p:cNvPr id="92" name="Straight Connector 91">
-            <a:extLst>
-              <a:ext uri="{FF2B5EF4-FFF2-40B4-BE49-F238E27FC236}">
-                <a16:creationId xmlns:a16="http://schemas.microsoft.com/office/drawing/2014/main" id="{E029D119-4378-012C-3546-DE0949A55E9D}"/>
-              </a:ext>
-            </a:extLst>
-          </p:cNvPr>
-          <p:cNvCxnSpPr/>
-          <p:nvPr/>
-        </p:nvCxnSpPr>
-        <p:spPr>
-          <a:xfrm>
-            <a:off x="7831480" y="2375957"/>
-            <a:ext cx="385353" cy="0"/>
+            <a:off x="7839261" y="2318807"/>
+            <a:ext cx="278480" cy="0"/>
           </a:xfrm>
           <a:prstGeom prst="line">
             <a:avLst/>
@@ -5389,13 +5274,15 @@
               </a:ext>
             </a:extLst>
           </p:cNvPr>
-          <p:cNvCxnSpPr/>
+          <p:cNvCxnSpPr>
+            <a:cxnSpLocks/>
+          </p:cNvCxnSpPr>
           <p:nvPr/>
         </p:nvCxnSpPr>
         <p:spPr>
           <a:xfrm>
-            <a:off x="8218598" y="2375957"/>
-            <a:ext cx="0" cy="2189293"/>
+            <a:off x="8117741" y="2318807"/>
+            <a:ext cx="10902" cy="1264101"/>
           </a:xfrm>
           <a:prstGeom prst="line">
             <a:avLst/>
@@ -5425,13 +5312,15 @@
               </a:ext>
             </a:extLst>
           </p:cNvPr>
-          <p:cNvCxnSpPr/>
+          <p:cNvCxnSpPr>
+            <a:cxnSpLocks/>
+          </p:cNvCxnSpPr>
           <p:nvPr/>
         </p:nvCxnSpPr>
         <p:spPr>
           <a:xfrm flipH="1">
-            <a:off x="7831480" y="4565250"/>
-            <a:ext cx="385353" cy="0"/>
+            <a:off x="7816053" y="3582888"/>
+            <a:ext cx="312590" cy="0"/>
           </a:xfrm>
           <a:prstGeom prst="straightConnector1">
             <a:avLst/>
@@ -5464,13 +5353,15 @@
               </a:ext>
             </a:extLst>
           </p:cNvPr>
-          <p:cNvCxnSpPr/>
+          <p:cNvCxnSpPr>
+            <a:cxnSpLocks/>
+          </p:cNvCxnSpPr>
           <p:nvPr/>
         </p:nvCxnSpPr>
         <p:spPr>
           <a:xfrm>
-            <a:off x="7831480" y="5288437"/>
-            <a:ext cx="567802" cy="0"/>
+            <a:off x="7831480" y="4266495"/>
+            <a:ext cx="473949" cy="0"/>
           </a:xfrm>
           <a:prstGeom prst="line">
             <a:avLst/>
@@ -5507,8 +5398,8 @@
         </p:nvCxnSpPr>
         <p:spPr>
           <a:xfrm flipV="1">
-            <a:off x="8399282" y="2328822"/>
-            <a:ext cx="0" cy="2959614"/>
+            <a:off x="8305429" y="2079695"/>
+            <a:ext cx="0" cy="2186800"/>
           </a:xfrm>
           <a:prstGeom prst="line">
             <a:avLst/>
@@ -5531,10 +5422,10 @@
       </p:cxnSp>
       <p:cxnSp>
         <p:nvCxnSpPr>
-          <p:cNvPr id="109" name="Straight Arrow Connector 108">
-            <a:extLst>
-              <a:ext uri="{FF2B5EF4-FFF2-40B4-BE49-F238E27FC236}">
-                <a16:creationId xmlns:a16="http://schemas.microsoft.com/office/drawing/2014/main" id="{83B78F7C-15E3-3704-8716-8829579AB519}"/>
+          <p:cNvPr id="113" name="Straight Connector 112">
+            <a:extLst>
+              <a:ext uri="{FF2B5EF4-FFF2-40B4-BE49-F238E27FC236}">
+                <a16:creationId xmlns:a16="http://schemas.microsoft.com/office/drawing/2014/main" id="{52C88937-E2BA-E807-1340-88A1003BB4CD}"/>
               </a:ext>
             </a:extLst>
           </p:cNvPr>
@@ -5543,46 +5434,7 @@
         </p:nvCxnSpPr>
         <p:spPr>
           <a:xfrm>
-            <a:off x="8399282" y="2328822"/>
-            <a:ext cx="206431" cy="0"/>
-          </a:xfrm>
-          <a:prstGeom prst="straightConnector1">
-            <a:avLst/>
-          </a:prstGeom>
-          <a:ln>
-            <a:tailEnd type="triangle"/>
-          </a:ln>
-        </p:spPr>
-        <p:style>
-          <a:lnRef idx="1">
-            <a:schemeClr val="accent1"/>
-          </a:lnRef>
-          <a:fillRef idx="0">
-            <a:schemeClr val="accent1"/>
-          </a:fillRef>
-          <a:effectRef idx="0">
-            <a:schemeClr val="accent1"/>
-          </a:effectRef>
-          <a:fontRef idx="minor">
-            <a:schemeClr val="tx1"/>
-          </a:fontRef>
-        </p:style>
-      </p:cxnSp>
-      <p:cxnSp>
-        <p:nvCxnSpPr>
-          <p:cNvPr id="113" name="Straight Connector 112">
-            <a:extLst>
-              <a:ext uri="{FF2B5EF4-FFF2-40B4-BE49-F238E27FC236}">
-                <a16:creationId xmlns:a16="http://schemas.microsoft.com/office/drawing/2014/main" id="{52C88937-E2BA-E807-1340-88A1003BB4CD}"/>
-              </a:ext>
-            </a:extLst>
-          </p:cNvPr>
-          <p:cNvCxnSpPr/>
-          <p:nvPr/>
-        </p:nvCxnSpPr>
-        <p:spPr>
-          <a:xfrm>
-            <a:off x="10410425" y="3346515"/>
+            <a:off x="10410424" y="3171781"/>
             <a:ext cx="392693" cy="0"/>
           </a:xfrm>
           <a:prstGeom prst="line">
@@ -5620,8 +5472,8 @@
         </p:nvCxnSpPr>
         <p:spPr>
           <a:xfrm>
-            <a:off x="10803118" y="3349045"/>
-            <a:ext cx="0" cy="515200"/>
+            <a:off x="10803118" y="3171781"/>
+            <a:ext cx="0" cy="692464"/>
           </a:xfrm>
           <a:prstGeom prst="line">
             <a:avLst/>
@@ -5769,7 +5621,7 @@
         </p:nvSpPr>
         <p:spPr>
           <a:xfrm>
-            <a:off x="8659468" y="2069116"/>
+            <a:off x="8659468" y="1910261"/>
             <a:ext cx="373929" cy="276999"/>
           </a:xfrm>
           <a:prstGeom prst="rect">
@@ -5893,7 +5745,7 @@
         </p:nvSpPr>
         <p:spPr>
           <a:xfrm>
-            <a:off x="8659468" y="3208015"/>
+            <a:off x="8659468" y="3028457"/>
             <a:ext cx="373929" cy="276999"/>
           </a:xfrm>
           <a:prstGeom prst="rect">
@@ -6005,10 +5857,10 @@
       </p:sp>
       <p:sp>
         <p:nvSpPr>
-          <p:cNvPr id="129" name="TextBox 128">
-            <a:extLst>
-              <a:ext uri="{FF2B5EF4-FFF2-40B4-BE49-F238E27FC236}">
-                <a16:creationId xmlns:a16="http://schemas.microsoft.com/office/drawing/2014/main" id="{A54CEFB9-C2C7-9F99-9599-195154F2407A}"/>
+          <p:cNvPr id="130" name="TextBox 129">
+            <a:extLst>
+              <a:ext uri="{FF2B5EF4-FFF2-40B4-BE49-F238E27FC236}">
+                <a16:creationId xmlns:a16="http://schemas.microsoft.com/office/drawing/2014/main" id="{77D402F3-75A7-04AD-385B-ECE4BBE96ED2}"/>
               </a:ext>
             </a:extLst>
           </p:cNvPr>
@@ -6017,7 +5869,7 @@
         </p:nvSpPr>
         <p:spPr>
           <a:xfrm>
-            <a:off x="6094661" y="2259481"/>
+            <a:off x="6094661" y="4158648"/>
             <a:ext cx="373929" cy="276999"/>
           </a:xfrm>
           <a:prstGeom prst="rect">
@@ -6067,10 +5919,10 @@
       </p:sp>
       <p:sp>
         <p:nvSpPr>
-          <p:cNvPr id="130" name="TextBox 129">
-            <a:extLst>
-              <a:ext uri="{FF2B5EF4-FFF2-40B4-BE49-F238E27FC236}">
-                <a16:creationId xmlns:a16="http://schemas.microsoft.com/office/drawing/2014/main" id="{77D402F3-75A7-04AD-385B-ECE4BBE96ED2}"/>
+          <p:cNvPr id="4" name="TextBox 3">
+            <a:extLst>
+              <a:ext uri="{FF2B5EF4-FFF2-40B4-BE49-F238E27FC236}">
+                <a16:creationId xmlns:a16="http://schemas.microsoft.com/office/drawing/2014/main" id="{2C570168-F61A-DD88-BBA4-40A04BDAFD6C}"/>
               </a:ext>
             </a:extLst>
           </p:cNvPr>
@@ -6079,8 +5931,8 @@
         </p:nvSpPr>
         <p:spPr>
           <a:xfrm>
-            <a:off x="6094661" y="5149936"/>
-            <a:ext cx="373929" cy="276999"/>
+            <a:off x="5752307" y="902893"/>
+            <a:ext cx="254524" cy="307777"/>
           </a:xfrm>
           <a:prstGeom prst="rect">
             <a:avLst/>
@@ -6094,36 +5946,435 @@
           <a:lstStyle/>
           <a:p>
             <a:r>
-              <a:rPr lang="en-US" sz="1200" dirty="0">
-                <a:ln w="0"/>
-                <a:solidFill>
-                  <a:schemeClr val="accent1"/>
-                </a:solidFill>
-                <a:effectLst>
-                  <a:outerShdw blurRad="38100" dist="25400" dir="5400000" algn="ctr" rotWithShape="0">
-                    <a:srgbClr val="6E747A">
-                      <a:alpha val="43000"/>
-                    </a:srgbClr>
-                  </a:outerShdw>
-                </a:effectLst>
-                <a:latin typeface="+mj-lt"/>
-              </a:rPr>
-              <a:t>FK</a:t>
-            </a:r>
-            <a:endParaRPr lang="en-US" dirty="0">
-              <a:ln w="0"/>
-              <a:solidFill>
-                <a:schemeClr val="accent1"/>
-              </a:solidFill>
-              <a:effectLst>
-                <a:outerShdw blurRad="38100" dist="25400" dir="5400000" algn="ctr" rotWithShape="0">
-                  <a:srgbClr val="6E747A">
-                    <a:alpha val="43000"/>
-                  </a:srgbClr>
-                </a:outerShdw>
-              </a:effectLst>
-              <a:latin typeface="+mj-lt"/>
-            </a:endParaRPr>
+              <a:rPr lang="en-US" sz="1400" dirty="0"/>
+              <a:t>1</a:t>
+            </a:r>
+          </a:p>
+        </p:txBody>
+      </p:sp>
+      <p:sp>
+        <p:nvSpPr>
+          <p:cNvPr id="11" name="TextBox 10">
+            <a:extLst>
+              <a:ext uri="{FF2B5EF4-FFF2-40B4-BE49-F238E27FC236}">
+                <a16:creationId xmlns:a16="http://schemas.microsoft.com/office/drawing/2014/main" id="{32C4DBDD-7F52-4852-6050-8E432E3E387D}"/>
+              </a:ext>
+            </a:extLst>
+          </p:cNvPr>
+          <p:cNvSpPr txBox="1"/>
+          <p:nvPr/>
+        </p:nvSpPr>
+        <p:spPr>
+          <a:xfrm>
+            <a:off x="2598083" y="3429000"/>
+            <a:ext cx="254524" cy="307777"/>
+          </a:xfrm>
+          <a:prstGeom prst="rect">
+            <a:avLst/>
+          </a:prstGeom>
+          <a:noFill/>
+        </p:spPr>
+        <p:txBody>
+          <a:bodyPr wrap="square" rtlCol="0">
+            <a:spAutoFit/>
+          </a:bodyPr>
+          <a:lstStyle/>
+          <a:p>
+            <a:r>
+              <a:rPr lang="en-US" sz="1400" dirty="0"/>
+              <a:t>1</a:t>
+            </a:r>
+          </a:p>
+        </p:txBody>
+      </p:sp>
+      <p:sp>
+        <p:nvSpPr>
+          <p:cNvPr id="19" name="TextBox 18">
+            <a:extLst>
+              <a:ext uri="{FF2B5EF4-FFF2-40B4-BE49-F238E27FC236}">
+                <a16:creationId xmlns:a16="http://schemas.microsoft.com/office/drawing/2014/main" id="{62E58B96-F87D-85A2-7BD6-44F2A8BF901E}"/>
+              </a:ext>
+            </a:extLst>
+          </p:cNvPr>
+          <p:cNvSpPr txBox="1"/>
+          <p:nvPr/>
+        </p:nvSpPr>
+        <p:spPr>
+          <a:xfrm>
+            <a:off x="2608320" y="3836070"/>
+            <a:ext cx="254524" cy="307777"/>
+          </a:xfrm>
+          <a:prstGeom prst="rect">
+            <a:avLst/>
+          </a:prstGeom>
+          <a:noFill/>
+        </p:spPr>
+        <p:txBody>
+          <a:bodyPr wrap="square" rtlCol="0">
+            <a:spAutoFit/>
+          </a:bodyPr>
+          <a:lstStyle/>
+          <a:p>
+            <a:r>
+              <a:rPr lang="en-US" sz="1400" dirty="0"/>
+              <a:t>n</a:t>
+            </a:r>
+          </a:p>
+        </p:txBody>
+      </p:sp>
+      <p:sp>
+        <p:nvSpPr>
+          <p:cNvPr id="20" name="TextBox 19">
+            <a:extLst>
+              <a:ext uri="{FF2B5EF4-FFF2-40B4-BE49-F238E27FC236}">
+                <a16:creationId xmlns:a16="http://schemas.microsoft.com/office/drawing/2014/main" id="{E34D384F-AB1C-3DDC-3DD8-51AB8D813F82}"/>
+              </a:ext>
+            </a:extLst>
+          </p:cNvPr>
+          <p:cNvSpPr txBox="1"/>
+          <p:nvPr/>
+        </p:nvSpPr>
+        <p:spPr>
+          <a:xfrm>
+            <a:off x="2598083" y="4183105"/>
+            <a:ext cx="254524" cy="307777"/>
+          </a:xfrm>
+          <a:prstGeom prst="rect">
+            <a:avLst/>
+          </a:prstGeom>
+          <a:noFill/>
+        </p:spPr>
+        <p:txBody>
+          <a:bodyPr wrap="square" rtlCol="0">
+            <a:spAutoFit/>
+          </a:bodyPr>
+          <a:lstStyle/>
+          <a:p>
+            <a:r>
+              <a:rPr lang="en-US" sz="1400" dirty="0"/>
+              <a:t>n</a:t>
+            </a:r>
+          </a:p>
+        </p:txBody>
+      </p:sp>
+      <p:sp>
+        <p:nvSpPr>
+          <p:cNvPr id="21" name="TextBox 20">
+            <a:extLst>
+              <a:ext uri="{FF2B5EF4-FFF2-40B4-BE49-F238E27FC236}">
+                <a16:creationId xmlns:a16="http://schemas.microsoft.com/office/drawing/2014/main" id="{B3E8D8F7-887F-9803-2668-909C08427361}"/>
+              </a:ext>
+            </a:extLst>
+          </p:cNvPr>
+          <p:cNvSpPr txBox="1"/>
+          <p:nvPr/>
+        </p:nvSpPr>
+        <p:spPr>
+          <a:xfrm>
+            <a:off x="3650658" y="1619754"/>
+            <a:ext cx="254524" cy="307777"/>
+          </a:xfrm>
+          <a:prstGeom prst="rect">
+            <a:avLst/>
+          </a:prstGeom>
+          <a:noFill/>
+        </p:spPr>
+        <p:txBody>
+          <a:bodyPr wrap="square" rtlCol="0">
+            <a:spAutoFit/>
+          </a:bodyPr>
+          <a:lstStyle/>
+          <a:p>
+            <a:r>
+              <a:rPr lang="en-US" sz="1400" dirty="0"/>
+              <a:t>1</a:t>
+            </a:r>
+          </a:p>
+        </p:txBody>
+      </p:sp>
+      <p:sp>
+        <p:nvSpPr>
+          <p:cNvPr id="22" name="TextBox 21">
+            <a:extLst>
+              <a:ext uri="{FF2B5EF4-FFF2-40B4-BE49-F238E27FC236}">
+                <a16:creationId xmlns:a16="http://schemas.microsoft.com/office/drawing/2014/main" id="{E1E93BF0-1325-791A-B18D-D0DD5E0CC02A}"/>
+              </a:ext>
+            </a:extLst>
+          </p:cNvPr>
+          <p:cNvSpPr txBox="1"/>
+          <p:nvPr/>
+        </p:nvSpPr>
+        <p:spPr>
+          <a:xfrm>
+            <a:off x="8305427" y="1803568"/>
+            <a:ext cx="254524" cy="307777"/>
+          </a:xfrm>
+          <a:prstGeom prst="rect">
+            <a:avLst/>
+          </a:prstGeom>
+          <a:noFill/>
+        </p:spPr>
+        <p:txBody>
+          <a:bodyPr wrap="square" rtlCol="0">
+            <a:spAutoFit/>
+          </a:bodyPr>
+          <a:lstStyle/>
+          <a:p>
+            <a:r>
+              <a:rPr lang="en-US" sz="1400" dirty="0"/>
+              <a:t>1</a:t>
+            </a:r>
+          </a:p>
+        </p:txBody>
+      </p:sp>
+      <p:sp>
+        <p:nvSpPr>
+          <p:cNvPr id="23" name="TextBox 22">
+            <a:extLst>
+              <a:ext uri="{FF2B5EF4-FFF2-40B4-BE49-F238E27FC236}">
+                <a16:creationId xmlns:a16="http://schemas.microsoft.com/office/drawing/2014/main" id="{93B09A66-24B5-FCBA-5528-BA3A5C668CA6}"/>
+              </a:ext>
+            </a:extLst>
+          </p:cNvPr>
+          <p:cNvSpPr txBox="1"/>
+          <p:nvPr/>
+        </p:nvSpPr>
+        <p:spPr>
+          <a:xfrm>
+            <a:off x="9253546" y="4648662"/>
+            <a:ext cx="254524" cy="307777"/>
+          </a:xfrm>
+          <a:prstGeom prst="rect">
+            <a:avLst/>
+          </a:prstGeom>
+          <a:noFill/>
+        </p:spPr>
+        <p:txBody>
+          <a:bodyPr wrap="square" rtlCol="0">
+            <a:spAutoFit/>
+          </a:bodyPr>
+          <a:lstStyle/>
+          <a:p>
+            <a:r>
+              <a:rPr lang="en-US" sz="1400" dirty="0"/>
+              <a:t>1</a:t>
+            </a:r>
+          </a:p>
+        </p:txBody>
+      </p:sp>
+      <p:sp>
+        <p:nvSpPr>
+          <p:cNvPr id="24" name="TextBox 23">
+            <a:extLst>
+              <a:ext uri="{FF2B5EF4-FFF2-40B4-BE49-F238E27FC236}">
+                <a16:creationId xmlns:a16="http://schemas.microsoft.com/office/drawing/2014/main" id="{654F9236-4189-4C18-7044-37F22CCEA903}"/>
+              </a:ext>
+            </a:extLst>
+          </p:cNvPr>
+          <p:cNvSpPr txBox="1"/>
+          <p:nvPr/>
+        </p:nvSpPr>
+        <p:spPr>
+          <a:xfrm>
+            <a:off x="3648488" y="3030336"/>
+            <a:ext cx="254524" cy="307777"/>
+          </a:xfrm>
+          <a:prstGeom prst="rect">
+            <a:avLst/>
+          </a:prstGeom>
+          <a:noFill/>
+        </p:spPr>
+        <p:txBody>
+          <a:bodyPr wrap="square" rtlCol="0">
+            <a:spAutoFit/>
+          </a:bodyPr>
+          <a:lstStyle/>
+          <a:p>
+            <a:r>
+              <a:rPr lang="en-US" sz="1400" dirty="0"/>
+              <a:t>1</a:t>
+            </a:r>
+          </a:p>
+        </p:txBody>
+      </p:sp>
+      <p:sp>
+        <p:nvSpPr>
+          <p:cNvPr id="27" name="TextBox 26">
+            <a:extLst>
+              <a:ext uri="{FF2B5EF4-FFF2-40B4-BE49-F238E27FC236}">
+                <a16:creationId xmlns:a16="http://schemas.microsoft.com/office/drawing/2014/main" id="{1599A1CD-511B-EC6C-0CF8-B95325E383F6}"/>
+              </a:ext>
+            </a:extLst>
+          </p:cNvPr>
+          <p:cNvSpPr txBox="1"/>
+          <p:nvPr/>
+        </p:nvSpPr>
+        <p:spPr>
+          <a:xfrm>
+            <a:off x="7851239" y="3312105"/>
+            <a:ext cx="254524" cy="307777"/>
+          </a:xfrm>
+          <a:prstGeom prst="rect">
+            <a:avLst/>
+          </a:prstGeom>
+          <a:noFill/>
+        </p:spPr>
+        <p:txBody>
+          <a:bodyPr wrap="square" rtlCol="0">
+            <a:spAutoFit/>
+          </a:bodyPr>
+          <a:lstStyle/>
+          <a:p>
+            <a:r>
+              <a:rPr lang="en-US" sz="1400" dirty="0"/>
+              <a:t>1</a:t>
+            </a:r>
+          </a:p>
+        </p:txBody>
+      </p:sp>
+      <p:sp>
+        <p:nvSpPr>
+          <p:cNvPr id="29" name="TextBox 28">
+            <a:extLst>
+              <a:ext uri="{FF2B5EF4-FFF2-40B4-BE49-F238E27FC236}">
+                <a16:creationId xmlns:a16="http://schemas.microsoft.com/office/drawing/2014/main" id="{3DA8FAF7-8FE5-FE06-CFA3-E037D95DCC3B}"/>
+              </a:ext>
+            </a:extLst>
+          </p:cNvPr>
+          <p:cNvSpPr txBox="1"/>
+          <p:nvPr/>
+        </p:nvSpPr>
+        <p:spPr>
+          <a:xfrm>
+            <a:off x="7830513" y="2042057"/>
+            <a:ext cx="254524" cy="307777"/>
+          </a:xfrm>
+          <a:prstGeom prst="rect">
+            <a:avLst/>
+          </a:prstGeom>
+          <a:noFill/>
+        </p:spPr>
+        <p:txBody>
+          <a:bodyPr wrap="square" rtlCol="0">
+            <a:spAutoFit/>
+          </a:bodyPr>
+          <a:lstStyle/>
+          <a:p>
+            <a:r>
+              <a:rPr lang="en-US" sz="1400" dirty="0"/>
+              <a:t>n</a:t>
+            </a:r>
+          </a:p>
+        </p:txBody>
+      </p:sp>
+      <p:sp>
+        <p:nvSpPr>
+          <p:cNvPr id="34" name="TextBox 33">
+            <a:extLst>
+              <a:ext uri="{FF2B5EF4-FFF2-40B4-BE49-F238E27FC236}">
+                <a16:creationId xmlns:a16="http://schemas.microsoft.com/office/drawing/2014/main" id="{1AAA8DBC-CA2F-B0D0-578F-2D74F6674614}"/>
+              </a:ext>
+            </a:extLst>
+          </p:cNvPr>
+          <p:cNvSpPr txBox="1"/>
+          <p:nvPr/>
+        </p:nvSpPr>
+        <p:spPr>
+          <a:xfrm>
+            <a:off x="10406896" y="2895703"/>
+            <a:ext cx="254524" cy="307777"/>
+          </a:xfrm>
+          <a:prstGeom prst="rect">
+            <a:avLst/>
+          </a:prstGeom>
+          <a:noFill/>
+        </p:spPr>
+        <p:txBody>
+          <a:bodyPr wrap="square" rtlCol="0">
+            <a:spAutoFit/>
+          </a:bodyPr>
+          <a:lstStyle/>
+          <a:p>
+            <a:r>
+              <a:rPr lang="en-US" sz="1400" dirty="0"/>
+              <a:t>n</a:t>
+            </a:r>
+          </a:p>
+        </p:txBody>
+      </p:sp>
+      <p:cxnSp>
+        <p:nvCxnSpPr>
+          <p:cNvPr id="43" name="Straight Arrow Connector 42">
+            <a:extLst>
+              <a:ext uri="{FF2B5EF4-FFF2-40B4-BE49-F238E27FC236}">
+                <a16:creationId xmlns:a16="http://schemas.microsoft.com/office/drawing/2014/main" id="{7F1DEBA8-6BE3-493C-BCD9-393C477DD4E2}"/>
+              </a:ext>
+            </a:extLst>
+          </p:cNvPr>
+          <p:cNvCxnSpPr>
+            <a:cxnSpLocks/>
+          </p:cNvCxnSpPr>
+          <p:nvPr/>
+        </p:nvCxnSpPr>
+        <p:spPr>
+          <a:xfrm>
+            <a:off x="8305429" y="2079695"/>
+            <a:ext cx="300284" cy="0"/>
+          </a:xfrm>
+          <a:prstGeom prst="straightConnector1">
+            <a:avLst/>
+          </a:prstGeom>
+          <a:ln>
+            <a:tailEnd type="triangle"/>
+          </a:ln>
+        </p:spPr>
+        <p:style>
+          <a:lnRef idx="1">
+            <a:schemeClr val="accent1"/>
+          </a:lnRef>
+          <a:fillRef idx="0">
+            <a:schemeClr val="accent1"/>
+          </a:fillRef>
+          <a:effectRef idx="0">
+            <a:schemeClr val="accent1"/>
+          </a:effectRef>
+          <a:fontRef idx="minor">
+            <a:schemeClr val="tx1"/>
+          </a:fontRef>
+        </p:style>
+      </p:cxnSp>
+      <p:sp>
+        <p:nvSpPr>
+          <p:cNvPr id="50" name="TextBox 49">
+            <a:extLst>
+              <a:ext uri="{FF2B5EF4-FFF2-40B4-BE49-F238E27FC236}">
+                <a16:creationId xmlns:a16="http://schemas.microsoft.com/office/drawing/2014/main" id="{E7FAE7B0-C3E8-EC4C-5293-106E8CB915D4}"/>
+              </a:ext>
+            </a:extLst>
+          </p:cNvPr>
+          <p:cNvSpPr txBox="1"/>
+          <p:nvPr/>
+        </p:nvSpPr>
+        <p:spPr>
+          <a:xfrm>
+            <a:off x="7831479" y="3989958"/>
+            <a:ext cx="254524" cy="307777"/>
+          </a:xfrm>
+          <a:prstGeom prst="rect">
+            <a:avLst/>
+          </a:prstGeom>
+          <a:noFill/>
+        </p:spPr>
+        <p:txBody>
+          <a:bodyPr wrap="square" rtlCol="0">
+            <a:spAutoFit/>
+          </a:bodyPr>
+          <a:lstStyle/>
+          <a:p>
+            <a:r>
+              <a:rPr lang="en-US" sz="1400" dirty="0"/>
+              <a:t>n</a:t>
+            </a:r>
           </a:p>
         </p:txBody>
       </p:sp>

--- a/er/Relational Schema.pptx
+++ b/er/Relational Schema.pptx
@@ -259,7 +259,7 @@
           <a:p>
             <a:fld id="{22623B6B-FCF9-436F-AC9F-76C4B2E12800}" type="datetimeFigureOut">
               <a:rPr lang="en-US" smtClean="0"/>
-              <a:t>29-Oct-23</a:t>
+              <a:t>30-Oct-23</a:t>
             </a:fld>
             <a:endParaRPr lang="en-US"/>
           </a:p>
@@ -457,7 +457,7 @@
           <a:p>
             <a:fld id="{22623B6B-FCF9-436F-AC9F-76C4B2E12800}" type="datetimeFigureOut">
               <a:rPr lang="en-US" smtClean="0"/>
-              <a:t>29-Oct-23</a:t>
+              <a:t>30-Oct-23</a:t>
             </a:fld>
             <a:endParaRPr lang="en-US"/>
           </a:p>
@@ -665,7 +665,7 @@
           <a:p>
             <a:fld id="{22623B6B-FCF9-436F-AC9F-76C4B2E12800}" type="datetimeFigureOut">
               <a:rPr lang="en-US" smtClean="0"/>
-              <a:t>29-Oct-23</a:t>
+              <a:t>30-Oct-23</a:t>
             </a:fld>
             <a:endParaRPr lang="en-US"/>
           </a:p>
@@ -863,7 +863,7 @@
           <a:p>
             <a:fld id="{22623B6B-FCF9-436F-AC9F-76C4B2E12800}" type="datetimeFigureOut">
               <a:rPr lang="en-US" smtClean="0"/>
-              <a:t>29-Oct-23</a:t>
+              <a:t>30-Oct-23</a:t>
             </a:fld>
             <a:endParaRPr lang="en-US"/>
           </a:p>
@@ -1138,7 +1138,7 @@
           <a:p>
             <a:fld id="{22623B6B-FCF9-436F-AC9F-76C4B2E12800}" type="datetimeFigureOut">
               <a:rPr lang="en-US" smtClean="0"/>
-              <a:t>29-Oct-23</a:t>
+              <a:t>30-Oct-23</a:t>
             </a:fld>
             <a:endParaRPr lang="en-US"/>
           </a:p>
@@ -1403,7 +1403,7 @@
           <a:p>
             <a:fld id="{22623B6B-FCF9-436F-AC9F-76C4B2E12800}" type="datetimeFigureOut">
               <a:rPr lang="en-US" smtClean="0"/>
-              <a:t>29-Oct-23</a:t>
+              <a:t>30-Oct-23</a:t>
             </a:fld>
             <a:endParaRPr lang="en-US"/>
           </a:p>
@@ -1815,7 +1815,7 @@
           <a:p>
             <a:fld id="{22623B6B-FCF9-436F-AC9F-76C4B2E12800}" type="datetimeFigureOut">
               <a:rPr lang="en-US" smtClean="0"/>
-              <a:t>29-Oct-23</a:t>
+              <a:t>30-Oct-23</a:t>
             </a:fld>
             <a:endParaRPr lang="en-US"/>
           </a:p>
@@ -1956,7 +1956,7 @@
           <a:p>
             <a:fld id="{22623B6B-FCF9-436F-AC9F-76C4B2E12800}" type="datetimeFigureOut">
               <a:rPr lang="en-US" smtClean="0"/>
-              <a:t>29-Oct-23</a:t>
+              <a:t>30-Oct-23</a:t>
             </a:fld>
             <a:endParaRPr lang="en-US"/>
           </a:p>
@@ -2069,7 +2069,7 @@
           <a:p>
             <a:fld id="{22623B6B-FCF9-436F-AC9F-76C4B2E12800}" type="datetimeFigureOut">
               <a:rPr lang="en-US" smtClean="0"/>
-              <a:t>29-Oct-23</a:t>
+              <a:t>30-Oct-23</a:t>
             </a:fld>
             <a:endParaRPr lang="en-US"/>
           </a:p>
@@ -2380,7 +2380,7 @@
           <a:p>
             <a:fld id="{22623B6B-FCF9-436F-AC9F-76C4B2E12800}" type="datetimeFigureOut">
               <a:rPr lang="en-US" smtClean="0"/>
-              <a:t>29-Oct-23</a:t>
+              <a:t>30-Oct-23</a:t>
             </a:fld>
             <a:endParaRPr lang="en-US"/>
           </a:p>
@@ -2668,7 +2668,7 @@
           <a:p>
             <a:fld id="{22623B6B-FCF9-436F-AC9F-76C4B2E12800}" type="datetimeFigureOut">
               <a:rPr lang="en-US" smtClean="0"/>
-              <a:t>29-Oct-23</a:t>
+              <a:t>30-Oct-23</a:t>
             </a:fld>
             <a:endParaRPr lang="en-US"/>
           </a:p>
@@ -2909,7 +2909,7 @@
           <a:p>
             <a:fld id="{22623B6B-FCF9-436F-AC9F-76C4B2E12800}" type="datetimeFigureOut">
               <a:rPr lang="en-US" smtClean="0"/>
-              <a:t>29-Oct-23</a:t>
+              <a:t>30-Oct-23</a:t>
             </a:fld>
             <a:endParaRPr lang="en-US"/>
           </a:p>
@@ -3783,14 +3783,14 @@
           <p:nvPr>
             <p:extLst>
               <p:ext uri="{D42A27DB-BD31-4B8C-83A1-F6EECF244321}">
-                <p14:modId xmlns:p14="http://schemas.microsoft.com/office/powerpoint/2010/main" val="885297858"/>
+                <p14:modId xmlns:p14="http://schemas.microsoft.com/office/powerpoint/2010/main" val="769425039"/>
               </p:ext>
             </p:extLst>
           </p:nvPr>
         </p:nvGraphicFramePr>
         <p:xfrm>
           <a:off x="6036554" y="657615"/>
-          <a:ext cx="1804709" cy="1842005"/>
+          <a:ext cx="1804709" cy="1473604"/>
         </p:xfrm>
         <a:graphic>
           <a:graphicData uri="http://schemas.openxmlformats.org/drawingml/2006/table">
@@ -3867,27 +3867,6 @@
                 <a:extLst>
                   <a:ext uri="{0D108BD9-81ED-4DB2-BD59-A6C34878D82A}">
                     <a16:rowId xmlns:a16="http://schemas.microsoft.com/office/drawing/2014/main" val="1555706137"/>
-                  </a:ext>
-                </a:extLst>
-              </a:tr>
-              <a:tr h="368401">
-                <a:tc>
-                  <a:txBody>
-                    <a:bodyPr/>
-                    <a:lstStyle/>
-                    <a:p>
-                      <a:pPr algn="ctr"/>
-                      <a:r>
-                        <a:rPr lang="en-US" dirty="0"/>
-                        <a:t>features</a:t>
-                      </a:r>
-                    </a:p>
-                  </a:txBody>
-                  <a:tcPr/>
-                </a:tc>
-                <a:extLst>
-                  <a:ext uri="{0D108BD9-81ED-4DB2-BD59-A6C34878D82A}">
-                    <a16:rowId xmlns:a16="http://schemas.microsoft.com/office/drawing/2014/main" val="4062049102"/>
                   </a:ext>
                 </a:extLst>
               </a:tr>
@@ -5243,7 +5222,7 @@
         </p:nvCxnSpPr>
         <p:spPr>
           <a:xfrm>
-            <a:off x="7839261" y="2318807"/>
+            <a:off x="7839261" y="1951157"/>
             <a:ext cx="278480" cy="0"/>
           </a:xfrm>
           <a:prstGeom prst="line">
@@ -5281,8 +5260,8 @@
         </p:nvCxnSpPr>
         <p:spPr>
           <a:xfrm>
-            <a:off x="8117741" y="2318807"/>
-            <a:ext cx="10902" cy="1264101"/>
+            <a:off x="8114625" y="1957456"/>
+            <a:ext cx="14018" cy="1625432"/>
           </a:xfrm>
           <a:prstGeom prst="line">
             <a:avLst/>
@@ -5807,7 +5786,7 @@
         </p:nvSpPr>
         <p:spPr>
           <a:xfrm>
-            <a:off x="6094662" y="1894873"/>
+            <a:off x="6087243" y="1810020"/>
             <a:ext cx="373929" cy="276999"/>
           </a:xfrm>
           <a:prstGeom prst="rect">
@@ -6246,7 +6225,7 @@
         </p:nvSpPr>
         <p:spPr>
           <a:xfrm>
-            <a:off x="7830513" y="2042057"/>
+            <a:off x="7845086" y="1649679"/>
             <a:ext cx="254524" cy="307777"/>
           </a:xfrm>
           <a:prstGeom prst="rect">
@@ -6375,6 +6354,68 @@
               <a:rPr lang="en-US" sz="1400" dirty="0"/>
               <a:t>n</a:t>
             </a:r>
+          </a:p>
+        </p:txBody>
+      </p:sp>
+      <p:sp>
+        <p:nvSpPr>
+          <p:cNvPr id="16" name="TextBox 15">
+            <a:extLst>
+              <a:ext uri="{FF2B5EF4-FFF2-40B4-BE49-F238E27FC236}">
+                <a16:creationId xmlns:a16="http://schemas.microsoft.com/office/drawing/2014/main" id="{C2F39A05-1454-F7CC-3114-B8242A39BCBD}"/>
+              </a:ext>
+            </a:extLst>
+          </p:cNvPr>
+          <p:cNvSpPr txBox="1"/>
+          <p:nvPr/>
+        </p:nvSpPr>
+        <p:spPr>
+          <a:xfrm>
+            <a:off x="6106086" y="1060502"/>
+            <a:ext cx="373929" cy="276999"/>
+          </a:xfrm>
+          <a:prstGeom prst="rect">
+            <a:avLst/>
+          </a:prstGeom>
+          <a:noFill/>
+        </p:spPr>
+        <p:txBody>
+          <a:bodyPr wrap="square" rtlCol="0">
+            <a:spAutoFit/>
+          </a:bodyPr>
+          <a:lstStyle/>
+          <a:p>
+            <a:r>
+              <a:rPr lang="en-US" sz="1200" dirty="0">
+                <a:ln w="0"/>
+                <a:solidFill>
+                  <a:schemeClr val="accent1"/>
+                </a:solidFill>
+                <a:effectLst>
+                  <a:outerShdw blurRad="38100" dist="25400" dir="5400000" algn="ctr" rotWithShape="0">
+                    <a:srgbClr val="6E747A">
+                      <a:alpha val="43000"/>
+                    </a:srgbClr>
+                  </a:outerShdw>
+                </a:effectLst>
+                <a:latin typeface="+mj-lt"/>
+              </a:rPr>
+              <a:t>PK</a:t>
+            </a:r>
+            <a:endParaRPr lang="en-US" dirty="0">
+              <a:ln w="0"/>
+              <a:solidFill>
+                <a:schemeClr val="accent1"/>
+              </a:solidFill>
+              <a:effectLst>
+                <a:outerShdw blurRad="38100" dist="25400" dir="5400000" algn="ctr" rotWithShape="0">
+                  <a:srgbClr val="6E747A">
+                    <a:alpha val="43000"/>
+                  </a:srgbClr>
+                </a:outerShdw>
+              </a:effectLst>
+              <a:latin typeface="+mj-lt"/>
+            </a:endParaRPr>
           </a:p>
         </p:txBody>
       </p:sp>
